--- a/visuals/raw-material.pptx
+++ b/visuals/raw-material.pptx
@@ -108,6 +108,11 @@
       </a:defRPr>
     </a:lvl9pPr>
   </p:defaultTextStyle>
+  <p:extLst>
+    <p:ext uri="{EFAFB233-063F-42B5-8137-9DF3F51BA10A}">
+      <p15:sldGuideLst xmlns:p15="http://schemas.microsoft.com/office/powerpoint/2012/main"/>
+    </p:ext>
+  </p:extLst>
 </p:presentation>
 </file>
 
@@ -242,7 +247,7 @@
           <a:p>
             <a:fld id="{709E157D-41E4-43A4-AA23-EDE7229AF708}" type="datetimeFigureOut">
               <a:rPr lang="en-GB" smtClean="0"/>
-              <a:t>18/10/2019</a:t>
+              <a:t>21/10/2019</a:t>
             </a:fld>
             <a:endParaRPr lang="en-GB"/>
           </a:p>
@@ -412,7 +417,7 @@
           <a:p>
             <a:fld id="{709E157D-41E4-43A4-AA23-EDE7229AF708}" type="datetimeFigureOut">
               <a:rPr lang="en-GB" smtClean="0"/>
-              <a:t>18/10/2019</a:t>
+              <a:t>21/10/2019</a:t>
             </a:fld>
             <a:endParaRPr lang="en-GB"/>
           </a:p>
@@ -592,7 +597,7 @@
           <a:p>
             <a:fld id="{709E157D-41E4-43A4-AA23-EDE7229AF708}" type="datetimeFigureOut">
               <a:rPr lang="en-GB" smtClean="0"/>
-              <a:t>18/10/2019</a:t>
+              <a:t>21/10/2019</a:t>
             </a:fld>
             <a:endParaRPr lang="en-GB"/>
           </a:p>
@@ -762,7 +767,7 @@
           <a:p>
             <a:fld id="{709E157D-41E4-43A4-AA23-EDE7229AF708}" type="datetimeFigureOut">
               <a:rPr lang="en-GB" smtClean="0"/>
-              <a:t>18/10/2019</a:t>
+              <a:t>21/10/2019</a:t>
             </a:fld>
             <a:endParaRPr lang="en-GB"/>
           </a:p>
@@ -1008,7 +1013,7 @@
           <a:p>
             <a:fld id="{709E157D-41E4-43A4-AA23-EDE7229AF708}" type="datetimeFigureOut">
               <a:rPr lang="en-GB" smtClean="0"/>
-              <a:t>18/10/2019</a:t>
+              <a:t>21/10/2019</a:t>
             </a:fld>
             <a:endParaRPr lang="en-GB"/>
           </a:p>
@@ -1240,7 +1245,7 @@
           <a:p>
             <a:fld id="{709E157D-41E4-43A4-AA23-EDE7229AF708}" type="datetimeFigureOut">
               <a:rPr lang="en-GB" smtClean="0"/>
-              <a:t>18/10/2019</a:t>
+              <a:t>21/10/2019</a:t>
             </a:fld>
             <a:endParaRPr lang="en-GB"/>
           </a:p>
@@ -1607,7 +1612,7 @@
           <a:p>
             <a:fld id="{709E157D-41E4-43A4-AA23-EDE7229AF708}" type="datetimeFigureOut">
               <a:rPr lang="en-GB" smtClean="0"/>
-              <a:t>18/10/2019</a:t>
+              <a:t>21/10/2019</a:t>
             </a:fld>
             <a:endParaRPr lang="en-GB"/>
           </a:p>
@@ -1725,7 +1730,7 @@
           <a:p>
             <a:fld id="{709E157D-41E4-43A4-AA23-EDE7229AF708}" type="datetimeFigureOut">
               <a:rPr lang="en-GB" smtClean="0"/>
-              <a:t>18/10/2019</a:t>
+              <a:t>21/10/2019</a:t>
             </a:fld>
             <a:endParaRPr lang="en-GB"/>
           </a:p>
@@ -1820,7 +1825,7 @@
           <a:p>
             <a:fld id="{709E157D-41E4-43A4-AA23-EDE7229AF708}" type="datetimeFigureOut">
               <a:rPr lang="en-GB" smtClean="0"/>
-              <a:t>18/10/2019</a:t>
+              <a:t>21/10/2019</a:t>
             </a:fld>
             <a:endParaRPr lang="en-GB"/>
           </a:p>
@@ -2097,7 +2102,7 @@
           <a:p>
             <a:fld id="{709E157D-41E4-43A4-AA23-EDE7229AF708}" type="datetimeFigureOut">
               <a:rPr lang="en-GB" smtClean="0"/>
-              <a:t>18/10/2019</a:t>
+              <a:t>21/10/2019</a:t>
             </a:fld>
             <a:endParaRPr lang="en-GB"/>
           </a:p>
@@ -2350,7 +2355,7 @@
           <a:p>
             <a:fld id="{709E157D-41E4-43A4-AA23-EDE7229AF708}" type="datetimeFigureOut">
               <a:rPr lang="en-GB" smtClean="0"/>
-              <a:t>18/10/2019</a:t>
+              <a:t>21/10/2019</a:t>
             </a:fld>
             <a:endParaRPr lang="en-GB"/>
           </a:p>
@@ -2563,7 +2568,7 @@
           <a:p>
             <a:fld id="{709E157D-41E4-43A4-AA23-EDE7229AF708}" type="datetimeFigureOut">
               <a:rPr lang="en-GB" smtClean="0"/>
-              <a:t>18/10/2019</a:t>
+              <a:t>21/10/2019</a:t>
             </a:fld>
             <a:endParaRPr lang="en-GB"/>
           </a:p>
@@ -4771,7 +4776,7 @@
           <p:nvPr/>
         </p:nvGrpSpPr>
         <p:grpSpPr>
-          <a:xfrm>
+          <a:xfrm flipV="1">
             <a:off x="5347457" y="3332402"/>
             <a:ext cx="1423398" cy="1242216"/>
             <a:chOff x="5234419" y="3332402"/>
@@ -4866,8 +4871,8 @@
             </a:p>
           </p:txBody>
         </p:sp>
-        <mc:AlternateContent xmlns:mc="http://schemas.openxmlformats.org/markup-compatibility/2006">
-          <mc:Choice xmlns:a14="http://schemas.microsoft.com/office/drawing/2010/main" Requires="a14">
+        <mc:AlternateContent xmlns:mc="http://schemas.openxmlformats.org/markup-compatibility/2006" xmlns:a14="http://schemas.microsoft.com/office/drawing/2010/main">
+          <mc:Choice Requires="a14">
             <p:sp>
               <p:nvSpPr>
                 <p:cNvPr id="51" name="Textfeld 50"/>
@@ -4890,6 +4895,7 @@
                 </a:bodyPr>
                 <a:lstStyle/>
                 <a:p>
+                  <a:pPr/>
                   <a14:m>
                     <m:oMathPara xmlns:m="http://schemas.openxmlformats.org/officeDocument/2006/math">
                       <m:oMathParaPr>
@@ -4911,7 +4917,7 @@
               </p:txBody>
             </p:sp>
           </mc:Choice>
-          <mc:Fallback>
+          <mc:Fallback xmlns="">
             <p:sp>
               <p:nvSpPr>
                 <p:cNvPr id="51" name="Textfeld 50"/>
@@ -10520,8 +10526,8 @@
             <a:chExt cx="8629335" cy="1850132"/>
           </a:xfrm>
         </p:grpSpPr>
-        <mc:AlternateContent xmlns:mc="http://schemas.openxmlformats.org/markup-compatibility/2006">
-          <mc:Choice xmlns:a14="http://schemas.microsoft.com/office/drawing/2010/main" Requires="a14">
+        <mc:AlternateContent xmlns:mc="http://schemas.openxmlformats.org/markup-compatibility/2006" xmlns:a14="http://schemas.microsoft.com/office/drawing/2010/main">
+          <mc:Choice Requires="a14">
             <p:sp>
               <p:nvSpPr>
                 <p:cNvPr id="5" name="Textfeld 4"/>
@@ -10544,6 +10550,7 @@
                 </a:bodyPr>
                 <a:lstStyle/>
                 <a:p>
+                  <a:pPr/>
                   <a14:m>
                     <m:oMathPara xmlns:m="http://schemas.openxmlformats.org/officeDocument/2006/math">
                       <m:oMathParaPr>
@@ -10599,7 +10606,7 @@
               </p:txBody>
             </p:sp>
           </mc:Choice>
-          <mc:Fallback>
+          <mc:Fallback xmlns="">
             <p:sp>
               <p:nvSpPr>
                 <p:cNvPr id="5" name="Textfeld 4"/>
@@ -10701,8 +10708,8 @@
             <a:chExt cx="8681812" cy="2557536"/>
           </a:xfrm>
         </p:grpSpPr>
-        <mc:AlternateContent xmlns:mc="http://schemas.openxmlformats.org/markup-compatibility/2006">
-          <mc:Choice xmlns:a14="http://schemas.microsoft.com/office/drawing/2010/main" Requires="a14">
+        <mc:AlternateContent xmlns:mc="http://schemas.openxmlformats.org/markup-compatibility/2006" xmlns:a14="http://schemas.microsoft.com/office/drawing/2010/main">
+          <mc:Choice Requires="a14">
             <p:sp>
               <p:nvSpPr>
                 <p:cNvPr id="15" name="Textfeld 14"/>
@@ -10725,6 +10732,7 @@
                 </a:bodyPr>
                 <a:lstStyle/>
                 <a:p>
+                  <a:pPr/>
                   <a14:m>
                     <m:oMathPara xmlns:m="http://schemas.openxmlformats.org/officeDocument/2006/math">
                       <m:oMathParaPr>
@@ -10828,7 +10836,7 @@
               </p:txBody>
             </p:sp>
           </mc:Choice>
-          <mc:Fallback>
+          <mc:Fallback xmlns="">
             <p:sp>
               <p:nvSpPr>
                 <p:cNvPr id="15" name="Textfeld 14"/>
@@ -10984,8 +10992,8 @@
           </a:p>
         </p:txBody>
       </p:sp>
-      <mc:AlternateContent xmlns:mc="http://schemas.openxmlformats.org/markup-compatibility/2006">
-        <mc:Choice xmlns:a14="http://schemas.microsoft.com/office/drawing/2010/main" Requires="a14">
+      <mc:AlternateContent xmlns:mc="http://schemas.openxmlformats.org/markup-compatibility/2006" xmlns:a14="http://schemas.microsoft.com/office/drawing/2010/main">
+        <mc:Choice Requires="a14">
           <p:sp>
             <p:nvSpPr>
               <p:cNvPr id="10" name="Textfeld 9"/>
@@ -11008,6 +11016,7 @@
               </a:bodyPr>
               <a:lstStyle/>
               <a:p>
+                <a:pPr/>
                 <a14:m>
                   <m:oMathPara xmlns:m="http://schemas.openxmlformats.org/officeDocument/2006/math">
                     <m:oMathParaPr>
@@ -11112,7 +11121,7 @@
             </p:txBody>
           </p:sp>
         </mc:Choice>
-        <mc:Fallback>
+        <mc:Fallback xmlns="">
           <p:sp>
             <p:nvSpPr>
               <p:cNvPr id="10" name="Textfeld 9"/>
@@ -11151,8 +11160,8 @@
           </p:sp>
         </mc:Fallback>
       </mc:AlternateContent>
-      <mc:AlternateContent xmlns:mc="http://schemas.openxmlformats.org/markup-compatibility/2006">
-        <mc:Choice xmlns:a14="http://schemas.microsoft.com/office/drawing/2010/main" Requires="a14">
+      <mc:AlternateContent xmlns:mc="http://schemas.openxmlformats.org/markup-compatibility/2006" xmlns:a14="http://schemas.microsoft.com/office/drawing/2010/main">
+        <mc:Choice Requires="a14">
           <p:sp>
             <p:nvSpPr>
               <p:cNvPr id="4" name="Textfeld 3"/>
@@ -11175,6 +11184,7 @@
               </a:bodyPr>
               <a:lstStyle/>
               <a:p>
+                <a:pPr/>
                 <a14:m>
                   <m:oMathPara xmlns:m="http://schemas.openxmlformats.org/officeDocument/2006/math">
                     <m:oMathParaPr>
@@ -11242,7 +11252,7 @@
             </p:txBody>
           </p:sp>
         </mc:Choice>
-        <mc:Fallback>
+        <mc:Fallback xmlns="">
           <p:sp>
             <p:nvSpPr>
               <p:cNvPr id="4" name="Textfeld 3"/>
@@ -11477,6 +11487,30 @@
           <a:chExt cx="0" cy="0"/>
         </a:xfrm>
       </p:grpSpPr>
+      <p:pic>
+        <p:nvPicPr>
+          <p:cNvPr id="3" name="Grafik 2"/>
+          <p:cNvPicPr>
+            <a:picLocks noChangeAspect="1"/>
+          </p:cNvPicPr>
+          <p:nvPr/>
+        </p:nvPicPr>
+        <p:blipFill>
+          <a:blip r:embed="rId2"/>
+          <a:stretch>
+            <a:fillRect/>
+          </a:stretch>
+        </p:blipFill>
+        <p:spPr>
+          <a:xfrm>
+            <a:off x="3985797" y="2851684"/>
+            <a:ext cx="907636" cy="762414"/>
+          </a:xfrm>
+          <a:prstGeom prst="rect">
+            <a:avLst/>
+          </a:prstGeom>
+        </p:spPr>
+      </p:pic>
       <p:sp>
         <p:nvSpPr>
           <p:cNvPr id="67" name="Abgerundete rechteckige Legende 66"/>
@@ -11571,10 +11605,10 @@
         </p:nvGrpSpPr>
         <p:grpSpPr>
           <a:xfrm>
-            <a:off x="8662220" y="1453894"/>
-            <a:ext cx="3896770" cy="4710267"/>
+            <a:off x="8309057" y="2059475"/>
+            <a:ext cx="3882943" cy="4413821"/>
             <a:chOff x="757298" y="1522893"/>
-            <a:chExt cx="3896770" cy="4710267"/>
+            <a:chExt cx="3882943" cy="4413821"/>
           </a:xfrm>
         </p:grpSpPr>
         <p:pic>
@@ -11586,19 +11620,19 @@
             <p:nvPr/>
           </p:nvPicPr>
           <p:blipFill rotWithShape="1">
-            <a:blip r:embed="rId2">
+            <a:blip r:embed="rId3">
               <a:extLst>
                 <a:ext uri="{28A0092B-C50C-407E-A947-70E740481C1C}">
                   <a14:useLocalDpi xmlns:a14="http://schemas.microsoft.com/office/drawing/2010/main" val="0"/>
                 </a:ext>
               </a:extLst>
             </a:blip>
-            <a:srcRect l="14562" t="2657" r="73500" b="48398"/>
+            <a:srcRect l="78135" t="336" r="9927" b="50719"/>
             <a:stretch/>
           </p:blipFill>
           <p:spPr>
             <a:xfrm>
-              <a:off x="1505082" y="2042159"/>
+              <a:off x="1879765" y="1745713"/>
               <a:ext cx="2760476" cy="4191001"/>
             </a:xfrm>
             <a:prstGeom prst="rect">
@@ -11873,7 +11907,7 @@
           </p:nvSpPr>
           <p:spPr>
             <a:xfrm>
-              <a:off x="3906697" y="2876629"/>
+              <a:off x="3478137" y="3675082"/>
               <a:ext cx="747371" cy="747371"/>
             </a:xfrm>
             <a:prstGeom prst="ellipse">
@@ -12014,10 +12048,10 @@
         </p:nvGrpSpPr>
         <p:grpSpPr>
           <a:xfrm>
-            <a:off x="399310" y="2655477"/>
-            <a:ext cx="4781450" cy="3497031"/>
-            <a:chOff x="570173" y="1735650"/>
-            <a:chExt cx="4781450" cy="3497031"/>
+            <a:off x="399310" y="2816844"/>
+            <a:ext cx="4781450" cy="3335664"/>
+            <a:chOff x="570173" y="1897017"/>
+            <a:chExt cx="4781450" cy="3335664"/>
           </a:xfrm>
         </p:grpSpPr>
         <p:grpSp>
@@ -12736,7 +12770,7 @@
               <p:nvPr/>
             </p:nvPicPr>
             <p:blipFill>
-              <a:blip r:embed="rId3"/>
+              <a:blip r:embed="rId4"/>
               <a:stretch>
                 <a:fillRect/>
               </a:stretch>
@@ -12760,41 +12794,12 @@
           </p:nvGrpSpPr>
           <p:grpSpPr>
             <a:xfrm>
-              <a:off x="3109513" y="1735650"/>
-              <a:ext cx="2242110" cy="3277915"/>
-              <a:chOff x="356177" y="3177318"/>
-              <a:chExt cx="2242110" cy="3277915"/>
+              <a:off x="3109513" y="1897017"/>
+              <a:ext cx="2242110" cy="3116548"/>
+              <a:chOff x="356177" y="3338685"/>
+              <a:chExt cx="2242110" cy="3116548"/>
             </a:xfrm>
           </p:grpSpPr>
-          <p:pic>
-            <p:nvPicPr>
-              <p:cNvPr id="19" name="Grafik 18"/>
-              <p:cNvPicPr>
-                <a:picLocks noChangeAspect="1"/>
-              </p:cNvPicPr>
-              <p:nvPr/>
-            </p:nvPicPr>
-            <p:blipFill rotWithShape="1">
-              <a:blip r:embed="rId2">
-                <a:extLst>
-                  <a:ext uri="{28A0092B-C50C-407E-A947-70E740481C1C}">
-                    <a14:useLocalDpi xmlns:a14="http://schemas.microsoft.com/office/drawing/2010/main" val="0"/>
-                  </a:ext>
-                </a:extLst>
-              </a:blip>
-              <a:srcRect l="14562" t="21399" r="82534" b="69816"/>
-              <a:stretch/>
-            </p:blipFill>
-            <p:spPr>
-              <a:xfrm rot="9505873" flipH="1">
-                <a:off x="1107501" y="3177318"/>
-                <a:ext cx="1238064" cy="1386840"/>
-              </a:xfrm>
-              <a:prstGeom prst="rect">
-                <a:avLst/>
-              </a:prstGeom>
-            </p:spPr>
-          </p:pic>
           <p:grpSp>
             <p:nvGrpSpPr>
               <p:cNvPr id="20" name="Gruppieren 19"/>
@@ -13467,7 +13472,7 @@
               <p:nvPr/>
             </p:nvPicPr>
             <p:blipFill>
-              <a:blip r:embed="rId4"/>
+              <a:blip r:embed="rId5"/>
               <a:stretch>
                 <a:fillRect/>
               </a:stretch>
@@ -13544,8 +13549,8 @@
             </a:p>
           </p:txBody>
         </p:sp>
-        <mc:AlternateContent xmlns:mc="http://schemas.openxmlformats.org/markup-compatibility/2006">
-          <mc:Choice xmlns:a14="http://schemas.microsoft.com/office/drawing/2010/main" Requires="a14">
+        <mc:AlternateContent xmlns:mc="http://schemas.openxmlformats.org/markup-compatibility/2006" xmlns:a14="http://schemas.microsoft.com/office/drawing/2010/main">
+          <mc:Choice Requires="a14">
             <p:sp>
               <p:nvSpPr>
                 <p:cNvPr id="46" name="Textfeld 45"/>
@@ -13636,7 +13641,7 @@
               </p:txBody>
             </p:sp>
           </mc:Choice>
-          <mc:Fallback>
+          <mc:Fallback xmlns="">
             <p:sp>
               <p:nvSpPr>
                 <p:cNvPr id="46" name="Textfeld 45"/>
@@ -13654,7 +13659,7 @@
                   <a:avLst/>
                 </a:prstGeom>
                 <a:blipFill>
-                  <a:blip r:embed="rId5"/>
+                  <a:blip r:embed="rId6"/>
                   <a:stretch>
                     <a:fillRect l="-411" t="-11280" b="-3049"/>
                   </a:stretch>
@@ -13676,8 +13681,8 @@
           </mc:Fallback>
         </mc:AlternateContent>
       </p:grpSp>
-      <mc:AlternateContent xmlns:mc="http://schemas.openxmlformats.org/markup-compatibility/2006">
-        <mc:Choice xmlns:a14="http://schemas.microsoft.com/office/drawing/2010/main" Requires="a14">
+      <mc:AlternateContent xmlns:mc="http://schemas.openxmlformats.org/markup-compatibility/2006" xmlns:a14="http://schemas.microsoft.com/office/drawing/2010/main">
+        <mc:Choice Requires="a14">
           <p:sp>
             <p:nvSpPr>
               <p:cNvPr id="61" name="Rechteck 60"/>
@@ -13746,7 +13751,7 @@
             </p:txBody>
           </p:sp>
         </mc:Choice>
-        <mc:Fallback>
+        <mc:Fallback xmlns="">
           <p:sp>
             <p:nvSpPr>
               <p:cNvPr id="61" name="Rechteck 60"/>
@@ -13764,7 +13769,7 @@
                 <a:avLst/>
               </a:prstGeom>
               <a:blipFill>
-                <a:blip r:embed="rId6"/>
+                <a:blip r:embed="rId7"/>
                 <a:stretch>
                   <a:fillRect l="-830" b="-11842"/>
                 </a:stretch>
@@ -13793,7 +13798,7 @@
         </p:nvSpPr>
         <p:spPr>
           <a:xfrm>
-            <a:off x="4274908" y="2171516"/>
+            <a:off x="4276846" y="2377851"/>
             <a:ext cx="2224878" cy="632410"/>
           </a:xfrm>
           <a:prstGeom prst="wedgeRoundRectCallout">
@@ -13837,7 +13842,7 @@
             </p:nvSpPr>
             <p:spPr>
               <a:xfrm>
-                <a:off x="4311831" y="2266580"/>
+                <a:off x="4313769" y="2472915"/>
                 <a:ext cx="2268570" cy="461665"/>
               </a:xfrm>
               <a:prstGeom prst="rect">
@@ -13923,16 +13928,16 @@
             </p:nvSpPr>
             <p:spPr>
               <a:xfrm>
-                <a:off x="4311831" y="2266580"/>
+                <a:off x="4313769" y="2472915"/>
                 <a:ext cx="2268570" cy="461665"/>
               </a:xfrm>
               <a:prstGeom prst="rect">
                 <a:avLst/>
               </a:prstGeom>
               <a:blipFill>
-                <a:blip r:embed="rId7"/>
+                <a:blip r:embed="rId8"/>
                 <a:stretch>
-                  <a:fillRect b="-11842"/>
+                  <a:fillRect l="-269" b="-13333"/>
                 </a:stretch>
               </a:blipFill>
             </p:spPr>
@@ -13993,8 +13998,8 @@
           </a:p>
         </p:txBody>
       </p:sp>
-      <mc:AlternateContent xmlns:mc="http://schemas.openxmlformats.org/markup-compatibility/2006">
-        <mc:Choice xmlns:a14="http://schemas.microsoft.com/office/drawing/2010/main" Requires="a14">
+      <mc:AlternateContent xmlns:mc="http://schemas.openxmlformats.org/markup-compatibility/2006" xmlns:a14="http://schemas.microsoft.com/office/drawing/2010/main">
+        <mc:Choice Requires="a14">
           <p:sp>
             <p:nvSpPr>
               <p:cNvPr id="66" name="Rechteck 65"/>
@@ -14063,7 +14068,7 @@
             </p:txBody>
           </p:sp>
         </mc:Choice>
-        <mc:Fallback>
+        <mc:Fallback xmlns="">
           <p:sp>
             <p:nvSpPr>
               <p:cNvPr id="66" name="Rechteck 65"/>
@@ -14081,7 +14086,7 @@
                 <a:avLst/>
               </a:prstGeom>
               <a:blipFill>
-                <a:blip r:embed="rId8"/>
+                <a:blip r:embed="rId9"/>
                 <a:stretch>
                   <a:fillRect l="-437" b="-13333"/>
                 </a:stretch>
